--- a/Day 2/실습자료/실습 3.pptx
+++ b/Day 2/실습자료/실습 3.pptx
@@ -11,10 +11,7 @@
     <p:sldId id="264" r:id="rId5"/>
     <p:sldId id="266" r:id="rId6"/>
     <p:sldId id="259" r:id="rId7"/>
-    <p:sldId id="260" r:id="rId8"/>
-    <p:sldId id="267" r:id="rId9"/>
-    <p:sldId id="261" r:id="rId10"/>
-    <p:sldId id="268" r:id="rId11"/>
+    <p:sldId id="261" r:id="rId8"/>
   </p:sldIdLst>
   <p:sldSz cx="12192000" cy="6858000"/>
   <p:notesSz cx="6858000" cy="9144000"/>
@@ -3389,134 +3386,6 @@
 </p:sld>
 </file>
 
-<file path=ppt/slides/slide10.xml><?xml version="1.0" encoding="utf-8"?>
-<p:sld xmlns:a="http://schemas.openxmlformats.org/drawingml/2006/main" xmlns:r="http://schemas.openxmlformats.org/officeDocument/2006/relationships" xmlns:p="http://schemas.openxmlformats.org/presentationml/2006/main">
-  <p:cSld>
-    <p:spTree>
-      <p:nvGrpSpPr>
-        <p:cNvPr id="1" name=""/>
-        <p:cNvGrpSpPr/>
-        <p:nvPr/>
-      </p:nvGrpSpPr>
-      <p:grpSpPr>
-        <a:xfrm>
-          <a:off x="0" y="0"/>
-          <a:ext cx="0" cy="0"/>
-          <a:chOff x="0" y="0"/>
-          <a:chExt cx="0" cy="0"/>
-        </a:xfrm>
-      </p:grpSpPr>
-      <p:sp>
-        <p:nvSpPr>
-          <p:cNvPr id="4" name="제목 1">
-            <a:extLst>
-              <a:ext uri="{FF2B5EF4-FFF2-40B4-BE49-F238E27FC236}">
-                <a16:creationId xmlns:a16="http://schemas.microsoft.com/office/drawing/2014/main" id="{1C315838-6142-A522-5693-E16E47DDD7EC}"/>
-              </a:ext>
-            </a:extLst>
-          </p:cNvPr>
-          <p:cNvSpPr>
-            <a:spLocks noGrp="1"/>
-          </p:cNvSpPr>
-          <p:nvPr>
-            <p:ph type="title"/>
-          </p:nvPr>
-        </p:nvSpPr>
-        <p:spPr>
-          <a:xfrm>
-            <a:off x="729343" y="0"/>
-            <a:ext cx="10515600" cy="1325563"/>
-          </a:xfrm>
-        </p:spPr>
-        <p:txBody>
-          <a:bodyPr/>
-          <a:lstStyle/>
-          <a:p>
-            <a:r>
-              <a:rPr lang="ko-KR" altLang="en-US" b="1" dirty="0"/>
-              <a:t>순열검정 </a:t>
-            </a:r>
-            <a:r>
-              <a:rPr lang="en-US" altLang="ko-KR" b="1" dirty="0"/>
-              <a:t>: Answer</a:t>
-            </a:r>
-            <a:endParaRPr lang="ko-KR" altLang="en-US" b="1" dirty="0"/>
-          </a:p>
-        </p:txBody>
-      </p:sp>
-      <p:pic>
-        <p:nvPicPr>
-          <p:cNvPr id="6" name="그림 5">
-            <a:extLst>
-              <a:ext uri="{FF2B5EF4-FFF2-40B4-BE49-F238E27FC236}">
-                <a16:creationId xmlns:a16="http://schemas.microsoft.com/office/drawing/2014/main" id="{6E1A0E48-9058-5031-5723-A0E22E5E8284}"/>
-              </a:ext>
-            </a:extLst>
-          </p:cNvPr>
-          <p:cNvPicPr>
-            <a:picLocks noChangeAspect="1"/>
-          </p:cNvPicPr>
-          <p:nvPr/>
-        </p:nvPicPr>
-        <p:blipFill>
-          <a:blip r:embed="rId2"/>
-          <a:stretch>
-            <a:fillRect/>
-          </a:stretch>
-        </p:blipFill>
-        <p:spPr>
-          <a:xfrm>
-            <a:off x="217715" y="1189945"/>
-            <a:ext cx="5431120" cy="5347564"/>
-          </a:xfrm>
-          <a:prstGeom prst="rect">
-            <a:avLst/>
-          </a:prstGeom>
-        </p:spPr>
-      </p:pic>
-      <p:pic>
-        <p:nvPicPr>
-          <p:cNvPr id="8" name="그림 7">
-            <a:extLst>
-              <a:ext uri="{FF2B5EF4-FFF2-40B4-BE49-F238E27FC236}">
-                <a16:creationId xmlns:a16="http://schemas.microsoft.com/office/drawing/2014/main" id="{8731236A-B77E-10F3-446A-BA09FC916764}"/>
-              </a:ext>
-            </a:extLst>
-          </p:cNvPr>
-          <p:cNvPicPr>
-            <a:picLocks noChangeAspect="1"/>
-          </p:cNvPicPr>
-          <p:nvPr/>
-        </p:nvPicPr>
-        <p:blipFill>
-          <a:blip r:embed="rId3"/>
-          <a:stretch>
-            <a:fillRect/>
-          </a:stretch>
-        </p:blipFill>
-        <p:spPr>
-          <a:xfrm>
-            <a:off x="5725886" y="1189945"/>
-            <a:ext cx="6389598" cy="4985657"/>
-          </a:xfrm>
-          <a:prstGeom prst="rect">
-            <a:avLst/>
-          </a:prstGeom>
-        </p:spPr>
-      </p:pic>
-    </p:spTree>
-    <p:extLst>
-      <p:ext uri="{BB962C8B-B14F-4D97-AF65-F5344CB8AC3E}">
-        <p14:creationId xmlns:p14="http://schemas.microsoft.com/office/powerpoint/2010/main" val="731492971"/>
-      </p:ext>
-    </p:extLst>
-  </p:cSld>
-  <p:clrMapOvr>
-    <a:masterClrMapping/>
-  </p:clrMapOvr>
-</p:sld>
-</file>
-
 <file path=ppt/slides/slide2.xml><?xml version="1.0" encoding="utf-8"?>
 <p:sld xmlns:a="http://schemas.openxmlformats.org/drawingml/2006/main" xmlns:r="http://schemas.openxmlformats.org/officeDocument/2006/relationships" xmlns:p="http://schemas.openxmlformats.org/presentationml/2006/main">
   <p:cSld>
@@ -4804,214 +4673,6 @@
 </file>
 
 <file path=ppt/slides/slide7.xml><?xml version="1.0" encoding="utf-8"?>
-<p:sld xmlns:a="http://schemas.openxmlformats.org/drawingml/2006/main" xmlns:r="http://schemas.openxmlformats.org/officeDocument/2006/relationships" xmlns:p="http://schemas.openxmlformats.org/presentationml/2006/main">
-  <p:cSld>
-    <p:spTree>
-      <p:nvGrpSpPr>
-        <p:cNvPr id="1" name=""/>
-        <p:cNvGrpSpPr/>
-        <p:nvPr/>
-      </p:nvGrpSpPr>
-      <p:grpSpPr>
-        <a:xfrm>
-          <a:off x="0" y="0"/>
-          <a:ext cx="0" cy="0"/>
-          <a:chOff x="0" y="0"/>
-          <a:chExt cx="0" cy="0"/>
-        </a:xfrm>
-      </p:grpSpPr>
-      <p:sp>
-        <p:nvSpPr>
-          <p:cNvPr id="4" name="제목 1">
-            <a:extLst>
-              <a:ext uri="{FF2B5EF4-FFF2-40B4-BE49-F238E27FC236}">
-                <a16:creationId xmlns:a16="http://schemas.microsoft.com/office/drawing/2014/main" id="{88F64A92-DDA2-8F67-738D-98EFD26E266B}"/>
-              </a:ext>
-            </a:extLst>
-          </p:cNvPr>
-          <p:cNvSpPr>
-            <a:spLocks noGrp="1"/>
-          </p:cNvSpPr>
-          <p:nvPr>
-            <p:ph type="title"/>
-          </p:nvPr>
-        </p:nvSpPr>
-        <p:spPr>
-          <a:xfrm>
-            <a:off x="838200" y="365125"/>
-            <a:ext cx="10515600" cy="1325563"/>
-          </a:xfrm>
-        </p:spPr>
-        <p:txBody>
-          <a:bodyPr/>
-          <a:lstStyle/>
-          <a:p>
-            <a:r>
-              <a:rPr lang="en-US" altLang="ko-KR" b="1" dirty="0"/>
-              <a:t>Answer (a)</a:t>
-            </a:r>
-            <a:endParaRPr lang="ko-KR" altLang="en-US" b="1" dirty="0"/>
-          </a:p>
-        </p:txBody>
-      </p:sp>
-      <p:pic>
-        <p:nvPicPr>
-          <p:cNvPr id="8" name="그림 7">
-            <a:extLst>
-              <a:ext uri="{FF2B5EF4-FFF2-40B4-BE49-F238E27FC236}">
-                <a16:creationId xmlns:a16="http://schemas.microsoft.com/office/drawing/2014/main" id="{7F991057-81B4-2B89-577D-F890879D3B71}"/>
-              </a:ext>
-            </a:extLst>
-          </p:cNvPr>
-          <p:cNvPicPr>
-            <a:picLocks noChangeAspect="1"/>
-          </p:cNvPicPr>
-          <p:nvPr/>
-        </p:nvPicPr>
-        <p:blipFill>
-          <a:blip r:embed="rId2"/>
-          <a:stretch>
-            <a:fillRect/>
-          </a:stretch>
-        </p:blipFill>
-        <p:spPr>
-          <a:xfrm>
-            <a:off x="838200" y="1690688"/>
-            <a:ext cx="10812384" cy="4439270"/>
-          </a:xfrm>
-          <a:prstGeom prst="rect">
-            <a:avLst/>
-          </a:prstGeom>
-        </p:spPr>
-      </p:pic>
-    </p:spTree>
-    <p:extLst>
-      <p:ext uri="{BB962C8B-B14F-4D97-AF65-F5344CB8AC3E}">
-        <p14:creationId xmlns:p14="http://schemas.microsoft.com/office/powerpoint/2010/main" val="747234837"/>
-      </p:ext>
-    </p:extLst>
-  </p:cSld>
-  <p:clrMapOvr>
-    <a:masterClrMapping/>
-  </p:clrMapOvr>
-</p:sld>
-</file>
-
-<file path=ppt/slides/slide8.xml><?xml version="1.0" encoding="utf-8"?>
-<p:sld xmlns:a="http://schemas.openxmlformats.org/drawingml/2006/main" xmlns:r="http://schemas.openxmlformats.org/officeDocument/2006/relationships" xmlns:p="http://schemas.openxmlformats.org/presentationml/2006/main">
-  <p:cSld>
-    <p:spTree>
-      <p:nvGrpSpPr>
-        <p:cNvPr id="1" name=""/>
-        <p:cNvGrpSpPr/>
-        <p:nvPr/>
-      </p:nvGrpSpPr>
-      <p:grpSpPr>
-        <a:xfrm>
-          <a:off x="0" y="0"/>
-          <a:ext cx="0" cy="0"/>
-          <a:chOff x="0" y="0"/>
-          <a:chExt cx="0" cy="0"/>
-        </a:xfrm>
-      </p:grpSpPr>
-      <p:sp>
-        <p:nvSpPr>
-          <p:cNvPr id="4" name="제목 1">
-            <a:extLst>
-              <a:ext uri="{FF2B5EF4-FFF2-40B4-BE49-F238E27FC236}">
-                <a16:creationId xmlns:a16="http://schemas.microsoft.com/office/drawing/2014/main" id="{66A63DBD-0AB1-0700-C633-DD5AE051DAED}"/>
-              </a:ext>
-            </a:extLst>
-          </p:cNvPr>
-          <p:cNvSpPr txBox="1">
-            <a:spLocks/>
-          </p:cNvSpPr>
-          <p:nvPr/>
-        </p:nvSpPr>
-        <p:spPr>
-          <a:xfrm>
-            <a:off x="990600" y="517525"/>
-            <a:ext cx="10515600" cy="1325563"/>
-          </a:xfrm>
-          <a:prstGeom prst="rect">
-            <a:avLst/>
-          </a:prstGeom>
-        </p:spPr>
-        <p:txBody>
-          <a:bodyPr vert="horz" lIns="91440" tIns="45720" rIns="91440" bIns="45720" rtlCol="0" anchor="ctr">
-            <a:normAutofit/>
-          </a:bodyPr>
-          <a:lstStyle>
-            <a:lvl1pPr algn="l" defTabSz="914400" rtl="0" eaLnBrk="1" latinLnBrk="1" hangingPunct="1">
-              <a:lnSpc>
-                <a:spcPct val="90000"/>
-              </a:lnSpc>
-              <a:spcBef>
-                <a:spcPct val="0"/>
-              </a:spcBef>
-              <a:buNone/>
-              <a:defRPr sz="4400" kern="1200">
-                <a:solidFill>
-                  <a:schemeClr val="tx1"/>
-                </a:solidFill>
-                <a:latin typeface="+mj-lt"/>
-                <a:ea typeface="+mj-ea"/>
-                <a:cs typeface="+mj-cs"/>
-              </a:defRPr>
-            </a:lvl1pPr>
-          </a:lstStyle>
-          <a:p>
-            <a:r>
-              <a:rPr lang="en-US" altLang="ko-KR" b="1" dirty="0"/>
-              <a:t>Answer (b)</a:t>
-            </a:r>
-            <a:endParaRPr lang="ko-KR" altLang="en-US" b="1" dirty="0"/>
-          </a:p>
-        </p:txBody>
-      </p:sp>
-      <p:pic>
-        <p:nvPicPr>
-          <p:cNvPr id="11" name="내용 개체 틀 10">
-            <a:extLst>
-              <a:ext uri="{FF2B5EF4-FFF2-40B4-BE49-F238E27FC236}">
-                <a16:creationId xmlns:a16="http://schemas.microsoft.com/office/drawing/2014/main" id="{5FBDCE5B-D31A-93CA-DF61-08023F9CEA95}"/>
-              </a:ext>
-            </a:extLst>
-          </p:cNvPr>
-          <p:cNvPicPr>
-            <a:picLocks noGrp="1" noChangeAspect="1"/>
-          </p:cNvPicPr>
-          <p:nvPr>
-            <p:ph idx="1"/>
-          </p:nvPr>
-        </p:nvPicPr>
-        <p:blipFill>
-          <a:blip r:embed="rId2"/>
-          <a:stretch>
-            <a:fillRect/>
-          </a:stretch>
-        </p:blipFill>
-        <p:spPr>
-          <a:xfrm>
-            <a:off x="2134163" y="1843088"/>
-            <a:ext cx="7705958" cy="4351338"/>
-          </a:xfrm>
-        </p:spPr>
-      </p:pic>
-    </p:spTree>
-    <p:extLst>
-      <p:ext uri="{BB962C8B-B14F-4D97-AF65-F5344CB8AC3E}">
-        <p14:creationId xmlns:p14="http://schemas.microsoft.com/office/powerpoint/2010/main" val="1725326128"/>
-      </p:ext>
-    </p:extLst>
-  </p:cSld>
-  <p:clrMapOvr>
-    <a:masterClrMapping/>
-  </p:clrMapOvr>
-</p:sld>
-</file>
-
-<file path=ppt/slides/slide9.xml><?xml version="1.0" encoding="utf-8"?>
 <p:sld xmlns:a="http://schemas.openxmlformats.org/drawingml/2006/main" xmlns:r="http://schemas.openxmlformats.org/officeDocument/2006/relationships" xmlns:p="http://schemas.openxmlformats.org/presentationml/2006/main">
   <p:cSld>
     <p:spTree>
